--- a/2024-07-03/Perseverance-July2024.pptx
+++ b/2024-07-03/Perseverance-July2024.pptx
@@ -169,6 +169,9 @@
         </p15:guide>
       </p15:sldGuideLst>
     </p:ext>
+    <p:ext uri="{2D200454-40CA-4A62-9FC3-DE9A4176ACB9}">
+      <p15:notesGuideLst xmlns:p15="http://schemas.microsoft.com/office/powerpoint/2012/main"/>
+    </p:ext>
   </p:extLst>
 </p:presentation>
 </file>
@@ -290,7 +293,7 @@
               <a:pPr>
                 <a:defRPr/>
               </a:pPr>
-              <a:t>6/30/24</a:t>
+              <a:t>7/3/24</a:t>
             </a:fld>
             <a:endParaRPr lang="en-US"/>
           </a:p>
@@ -5023,14 +5026,10 @@
               <a:rPr lang="en-US" dirty="0"/>
               <a:t>Perseverance</a:t>
             </a:r>
-            <a:br>
-              <a:rPr lang="en-US" dirty="0"/>
-            </a:br>
-            <a:endParaRPr lang="en-US" dirty="0"/>
-          </a:p>
-          <a:p>
-            <a:r>
-              <a:rPr lang="en-US" sz="2400" dirty="0">
+          </a:p>
+          <a:p>
+            <a:r>
+              <a:rPr lang="en-US" sz="2800" dirty="0">
                 <a:solidFill>
                   <a:schemeClr val="tx2">
                     <a:lumMod val="60000"/>
@@ -5052,14 +5051,39 @@
             </a:endParaRPr>
           </a:p>
           <a:p>
-            <a:endParaRPr lang="en-US" sz="2400" dirty="0">
-              <a:solidFill>
-                <a:schemeClr val="tx2">
-                  <a:lumMod val="60000"/>
-                  <a:lumOff val="40000"/>
-                </a:schemeClr>
-              </a:solidFill>
-            </a:endParaRPr>
+            <a:r>
+              <a:rPr lang="en-US" sz="2400" dirty="0">
+                <a:solidFill>
+                  <a:schemeClr val="tx2">
+                    <a:lumMod val="60000"/>
+                    <a:lumOff val="40000"/>
+                  </a:schemeClr>
+                </a:solidFill>
+              </a:rPr>
+              <a:t>https://</a:t>
+            </a:r>
+            <a:r>
+              <a:rPr lang="en-US" sz="2400" dirty="0" err="1">
+                <a:solidFill>
+                  <a:schemeClr val="tx2">
+                    <a:lumMod val="60000"/>
+                    <a:lumOff val="40000"/>
+                  </a:schemeClr>
+                </a:solidFill>
+              </a:rPr>
+              <a:t>tinyurl.com</a:t>
+            </a:r>
+            <a:r>
+              <a:rPr lang="en-US" sz="2400" dirty="0">
+                <a:solidFill>
+                  <a:schemeClr val="tx2">
+                    <a:lumMod val="60000"/>
+                    <a:lumOff val="40000"/>
+                  </a:schemeClr>
+                </a:solidFill>
+              </a:rPr>
+              <a:t>/mry577wa</a:t>
+            </a:r>
           </a:p>
         </p:txBody>
       </p:sp>

--- a/2024-07-03/Perseverance-July2024.pptx
+++ b/2024-07-03/Perseverance-July2024.pptx
@@ -293,7 +293,7 @@
               <a:pPr>
                 <a:defRPr/>
               </a:pPr>
-              <a:t>7/3/24</a:t>
+              <a:t>7/12/2025</a:t>
             </a:fld>
             <a:endParaRPr lang="en-US"/>
           </a:p>
@@ -5162,7 +5162,7 @@
             <a:prstTxWarp prst="textNoShape">
               <a:avLst/>
             </a:prstTxWarp>
-            <a:normAutofit fontScale="85000" lnSpcReduction="10000"/>
+            <a:normAutofit fontScale="92500"/>
           </a:bodyPr>
           <a:lstStyle>
             <a:lvl1pPr algn="l" rtl="0" eaLnBrk="1" fontAlgn="base" hangingPunct="1">
@@ -5301,7 +5301,11 @@
           <a:p>
             <a:r>
               <a:rPr lang="en-US" dirty="0"/>
-              <a:t>What difference should that make…?</a:t>
+              <a:t>The Mind </a:t>
+            </a:r>
+            <a:r>
+              <a:rPr lang="en-US"/>
+              <a:t>of Christ…</a:t>
             </a:r>
             <a:br>
               <a:rPr lang="en-US" dirty="0"/>
